--- a/Word2Vec + Group Updates.pptx
+++ b/Word2Vec + Group Updates.pptx
@@ -5058,12 +5058,28 @@
               <a:spcBef>
                 <a:spcPts val="0"/>
               </a:spcBef>
+              <a:spcAft>
+                <a:spcPts val="0"/>
+              </a:spcAft>
               <a:buSzPct val="100000"/>
               <a:buChar char="●"/>
             </a:pPr>
             <a:r>
               <a:rPr lang="en" sz="2400"/>
               <a:t>Need to change the dataset we use since it can only obtain a limited number of pictures for many keywords and none for many other keywords → so we’re losing a lot of information</a:t>
+            </a:r>
+          </a:p>
+          <a:p>
+            <a:pPr indent="-381000" lvl="0" marL="457200" rtl="0" algn="l">
+              <a:spcBef>
+                <a:spcPts val="0"/>
+              </a:spcBef>
+              <a:buSzPct val="100000"/>
+              <a:buChar char="●"/>
+            </a:pPr>
+            <a:r>
+              <a:rPr lang="en" sz="2400"/>
+              <a:t>Implementation Of multithreading for faster image retrieval </a:t>
             </a:r>
           </a:p>
           <a:p>
